--- a/plots/supplementary/slice/figures.pptx
+++ b/plots/supplementary/slice/figures.pptx
@@ -5,11 +5,10 @@
     <p:sldMasterId id="2147483648" r:id="rId1"/>
   </p:sldMasterIdLst>
   <p:notesMasterIdLst>
-    <p:notesMasterId r:id="rId4"/>
+    <p:notesMasterId r:id="rId3"/>
   </p:notesMasterIdLst>
   <p:sldIdLst>
     <p:sldId id="265" r:id="rId2"/>
-    <p:sldId id="266" r:id="rId3"/>
   </p:sldIdLst>
   <p:sldSz cx="12192000" cy="6858000"/>
   <p:notesSz cx="6858000" cy="9144000"/>
@@ -1904,7 +1903,7 @@
           <a:p>
             <a:fld id="{C1B87537-0585-8848-95C2-C0C08B457C77}" type="datetimeFigureOut">
               <a:rPr lang="en-US" smtClean="0"/>
-              <a:t>9/22/24</a:t>
+              <a:t>10/8/24</a:t>
             </a:fld>
             <a:endParaRPr lang="en-US"/>
           </a:p>
@@ -2256,114 +2255,6 @@
 </p:notes>
 </file>
 
-<file path=ppt/notesSlides/notesSlide2.xml><?xml version="1.0" encoding="utf-8"?>
-<p:notes xmlns:a="http://schemas.openxmlformats.org/drawingml/2006/main" xmlns:r="http://schemas.openxmlformats.org/officeDocument/2006/relationships" xmlns:p="http://schemas.openxmlformats.org/presentationml/2006/main">
-  <p:cSld>
-    <p:spTree>
-      <p:nvGrpSpPr>
-        <p:cNvPr id="1" name="">
-          <a:extLst>
-            <a:ext uri="{FF2B5EF4-FFF2-40B4-BE49-F238E27FC236}">
-              <a16:creationId xmlns:a16="http://schemas.microsoft.com/office/drawing/2014/main" id="{35604E47-CF86-9577-B45F-0944BCF1B9E9}"/>
-            </a:ext>
-          </a:extLst>
-        </p:cNvPr>
-        <p:cNvGrpSpPr/>
-        <p:nvPr/>
-      </p:nvGrpSpPr>
-      <p:grpSpPr>
-        <a:xfrm>
-          <a:off x="0" y="0"/>
-          <a:ext cx="0" cy="0"/>
-          <a:chOff x="0" y="0"/>
-          <a:chExt cx="0" cy="0"/>
-        </a:xfrm>
-      </p:grpSpPr>
-      <p:sp>
-        <p:nvSpPr>
-          <p:cNvPr id="2" name="Slide Image Placeholder 1">
-            <a:extLst>
-              <a:ext uri="{FF2B5EF4-FFF2-40B4-BE49-F238E27FC236}">
-                <a16:creationId xmlns:a16="http://schemas.microsoft.com/office/drawing/2014/main" id="{90B4415C-39D5-23E5-4D80-AAC075EDA67D}"/>
-              </a:ext>
-            </a:extLst>
-          </p:cNvPr>
-          <p:cNvSpPr>
-            <a:spLocks noGrp="1" noRot="1" noChangeAspect="1"/>
-          </p:cNvSpPr>
-          <p:nvPr>
-            <p:ph type="sldImg"/>
-          </p:nvPr>
-        </p:nvSpPr>
-        <p:spPr/>
-      </p:sp>
-      <p:sp>
-        <p:nvSpPr>
-          <p:cNvPr id="3" name="Notes Placeholder 2">
-            <a:extLst>
-              <a:ext uri="{FF2B5EF4-FFF2-40B4-BE49-F238E27FC236}">
-                <a16:creationId xmlns:a16="http://schemas.microsoft.com/office/drawing/2014/main" id="{BB4FF86C-69E2-570A-FFA5-5051DB09E905}"/>
-              </a:ext>
-            </a:extLst>
-          </p:cNvPr>
-          <p:cNvSpPr>
-            <a:spLocks noGrp="1"/>
-          </p:cNvSpPr>
-          <p:nvPr>
-            <p:ph type="body" idx="1"/>
-          </p:nvPr>
-        </p:nvSpPr>
-        <p:spPr/>
-        <p:txBody>
-          <a:bodyPr/>
-          <a:lstStyle/>
-          <a:p>
-            <a:endParaRPr lang="en-US" dirty="0"/>
-          </a:p>
-        </p:txBody>
-      </p:sp>
-      <p:sp>
-        <p:nvSpPr>
-          <p:cNvPr id="4" name="Slide Number Placeholder 3">
-            <a:extLst>
-              <a:ext uri="{FF2B5EF4-FFF2-40B4-BE49-F238E27FC236}">
-                <a16:creationId xmlns:a16="http://schemas.microsoft.com/office/drawing/2014/main" id="{88DE0E29-2737-A856-5542-068FDA053BC6}"/>
-              </a:ext>
-            </a:extLst>
-          </p:cNvPr>
-          <p:cNvSpPr>
-            <a:spLocks noGrp="1"/>
-          </p:cNvSpPr>
-          <p:nvPr>
-            <p:ph type="sldNum" sz="quarter" idx="5"/>
-          </p:nvPr>
-        </p:nvSpPr>
-        <p:spPr/>
-        <p:txBody>
-          <a:bodyPr/>
-          <a:lstStyle/>
-          <a:p>
-            <a:fld id="{49F907BB-7DA3-7E46-9D98-C0ED6A3272A0}" type="slidenum">
-              <a:rPr lang="en-US" smtClean="0"/>
-              <a:t>2</a:t>
-            </a:fld>
-            <a:endParaRPr lang="en-US"/>
-          </a:p>
-        </p:txBody>
-      </p:sp>
-    </p:spTree>
-    <p:extLst>
-      <p:ext uri="{BB962C8B-B14F-4D97-AF65-F5344CB8AC3E}">
-        <p14:creationId xmlns:p14="http://schemas.microsoft.com/office/powerpoint/2010/main" val="3624796450"/>
-      </p:ext>
-    </p:extLst>
-  </p:cSld>
-  <p:clrMapOvr>
-    <a:masterClrMapping/>
-  </p:clrMapOvr>
-</p:notes>
-</file>
-
 <file path=ppt/slideLayouts/slideLayout1.xml><?xml version="1.0" encoding="utf-8"?>
 <p:sldLayout xmlns:a="http://schemas.openxmlformats.org/drawingml/2006/main" xmlns:r="http://schemas.openxmlformats.org/officeDocument/2006/relationships" xmlns:p="http://schemas.openxmlformats.org/presentationml/2006/main" type="title" preserve="1">
   <p:cSld name="Title Slide">
@@ -2513,7 +2404,7 @@
           <a:p>
             <a:fld id="{89F9FEAC-3A5F-F843-BF6D-FFC8149CCB8B}" type="datetimeFigureOut">
               <a:rPr lang="en-US" smtClean="0"/>
-              <a:t>9/22/24</a:t>
+              <a:t>10/8/24</a:t>
             </a:fld>
             <a:endParaRPr lang="en-US"/>
           </a:p>
@@ -2713,7 +2604,7 @@
           <a:p>
             <a:fld id="{89F9FEAC-3A5F-F843-BF6D-FFC8149CCB8B}" type="datetimeFigureOut">
               <a:rPr lang="en-US" smtClean="0"/>
-              <a:t>9/22/24</a:t>
+              <a:t>10/8/24</a:t>
             </a:fld>
             <a:endParaRPr lang="en-US"/>
           </a:p>
@@ -2923,7 +2814,7 @@
           <a:p>
             <a:fld id="{89F9FEAC-3A5F-F843-BF6D-FFC8149CCB8B}" type="datetimeFigureOut">
               <a:rPr lang="en-US" smtClean="0"/>
-              <a:t>9/22/24</a:t>
+              <a:t>10/8/24</a:t>
             </a:fld>
             <a:endParaRPr lang="en-US"/>
           </a:p>
@@ -3123,7 +3014,7 @@
           <a:p>
             <a:fld id="{89F9FEAC-3A5F-F843-BF6D-FFC8149CCB8B}" type="datetimeFigureOut">
               <a:rPr lang="en-US" smtClean="0"/>
-              <a:t>9/22/24</a:t>
+              <a:t>10/8/24</a:t>
             </a:fld>
             <a:endParaRPr lang="en-US"/>
           </a:p>
@@ -3399,7 +3290,7 @@
           <a:p>
             <a:fld id="{89F9FEAC-3A5F-F843-BF6D-FFC8149CCB8B}" type="datetimeFigureOut">
               <a:rPr lang="en-US" smtClean="0"/>
-              <a:t>9/22/24</a:t>
+              <a:t>10/8/24</a:t>
             </a:fld>
             <a:endParaRPr lang="en-US"/>
           </a:p>
@@ -3667,7 +3558,7 @@
           <a:p>
             <a:fld id="{89F9FEAC-3A5F-F843-BF6D-FFC8149CCB8B}" type="datetimeFigureOut">
               <a:rPr lang="en-US" smtClean="0"/>
-              <a:t>9/22/24</a:t>
+              <a:t>10/8/24</a:t>
             </a:fld>
             <a:endParaRPr lang="en-US"/>
           </a:p>
@@ -4082,7 +3973,7 @@
           <a:p>
             <a:fld id="{89F9FEAC-3A5F-F843-BF6D-FFC8149CCB8B}" type="datetimeFigureOut">
               <a:rPr lang="en-US" smtClean="0"/>
-              <a:t>9/22/24</a:t>
+              <a:t>10/8/24</a:t>
             </a:fld>
             <a:endParaRPr lang="en-US"/>
           </a:p>
@@ -4224,7 +4115,7 @@
           <a:p>
             <a:fld id="{89F9FEAC-3A5F-F843-BF6D-FFC8149CCB8B}" type="datetimeFigureOut">
               <a:rPr lang="en-US" smtClean="0"/>
-              <a:t>9/22/24</a:t>
+              <a:t>10/8/24</a:t>
             </a:fld>
             <a:endParaRPr lang="en-US"/>
           </a:p>
@@ -4337,7 +4228,7 @@
           <a:p>
             <a:fld id="{89F9FEAC-3A5F-F843-BF6D-FFC8149CCB8B}" type="datetimeFigureOut">
               <a:rPr lang="en-US" smtClean="0"/>
-              <a:t>9/22/24</a:t>
+              <a:t>10/8/24</a:t>
             </a:fld>
             <a:endParaRPr lang="en-US"/>
           </a:p>
@@ -4650,7 +4541,7 @@
           <a:p>
             <a:fld id="{89F9FEAC-3A5F-F843-BF6D-FFC8149CCB8B}" type="datetimeFigureOut">
               <a:rPr lang="en-US" smtClean="0"/>
-              <a:t>9/22/24</a:t>
+              <a:t>10/8/24</a:t>
             </a:fld>
             <a:endParaRPr lang="en-US"/>
           </a:p>
@@ -4939,7 +4830,7 @@
           <a:p>
             <a:fld id="{89F9FEAC-3A5F-F843-BF6D-FFC8149CCB8B}" type="datetimeFigureOut">
               <a:rPr lang="en-US" smtClean="0"/>
-              <a:t>9/22/24</a:t>
+              <a:t>10/8/24</a:t>
             </a:fld>
             <a:endParaRPr lang="en-US"/>
           </a:p>
@@ -5182,7 +5073,7 @@
           <a:p>
             <a:fld id="{89F9FEAC-3A5F-F843-BF6D-FFC8149CCB8B}" type="datetimeFigureOut">
               <a:rPr lang="en-US" smtClean="0"/>
-              <a:t>9/22/24</a:t>
+              <a:t>10/8/24</a:t>
             </a:fld>
             <a:endParaRPr lang="en-US"/>
           </a:p>
@@ -5659,35 +5550,6 @@
       </p:pic>
       <p:pic>
         <p:nvPicPr>
-          <p:cNvPr id="6" name="Picture 5">
-            <a:extLst>
-              <a:ext uri="{FF2B5EF4-FFF2-40B4-BE49-F238E27FC236}">
-                <a16:creationId xmlns:a16="http://schemas.microsoft.com/office/drawing/2014/main" id="{15788203-887A-C539-5D75-64845F4458A4}"/>
-              </a:ext>
-            </a:extLst>
-          </p:cNvPr>
-          <p:cNvPicPr>
-            <a:picLocks noChangeAspect="1"/>
-          </p:cNvPicPr>
-          <p:nvPr/>
-        </p:nvPicPr>
-        <p:blipFill>
-          <a:blip r:embed="rId3"/>
-          <a:srcRect l="-1" r="94055"/>
-          <a:stretch/>
-        </p:blipFill>
-        <p:spPr>
-          <a:xfrm>
-            <a:off x="3181172" y="3295195"/>
-            <a:ext cx="462085" cy="1554480"/>
-          </a:xfrm>
-          <a:prstGeom prst="rect">
-            <a:avLst/>
-          </a:prstGeom>
-        </p:spPr>
-      </p:pic>
-      <p:pic>
-        <p:nvPicPr>
           <p:cNvPr id="7" name="Picture 6">
             <a:extLst>
               <a:ext uri="{FF2B5EF4-FFF2-40B4-BE49-F238E27FC236}">
@@ -5707,8 +5569,95 @@
         </p:blipFill>
         <p:spPr>
           <a:xfrm>
-            <a:off x="7693152" y="2499667"/>
+            <a:off x="7670292" y="2499667"/>
             <a:ext cx="570469" cy="1554480"/>
+          </a:xfrm>
+          <a:prstGeom prst="rect">
+            <a:avLst/>
+          </a:prstGeom>
+        </p:spPr>
+      </p:pic>
+      <p:pic>
+        <p:nvPicPr>
+          <p:cNvPr id="3" name="Picture 2">
+            <a:extLst>
+              <a:ext uri="{FF2B5EF4-FFF2-40B4-BE49-F238E27FC236}">
+                <a16:creationId xmlns:a16="http://schemas.microsoft.com/office/drawing/2014/main" id="{18A464A9-EE1C-4D76-0568-A97241E88A11}"/>
+              </a:ext>
+            </a:extLst>
+          </p:cNvPr>
+          <p:cNvPicPr>
+            <a:picLocks noChangeAspect="1"/>
+          </p:cNvPicPr>
+          <p:nvPr/>
+        </p:nvPicPr>
+        <p:blipFill rotWithShape="1">
+          <a:blip r:embed="rId4"/>
+          <a:srcRect l="40249" r="6863"/>
+          <a:stretch/>
+        </p:blipFill>
+        <p:spPr>
+          <a:xfrm>
+            <a:off x="3509319" y="3295195"/>
+            <a:ext cx="4110682" cy="1554480"/>
+          </a:xfrm>
+          <a:prstGeom prst="rect">
+            <a:avLst/>
+          </a:prstGeom>
+        </p:spPr>
+      </p:pic>
+      <p:pic>
+        <p:nvPicPr>
+          <p:cNvPr id="8" name="Picture 7">
+            <a:extLst>
+              <a:ext uri="{FF2B5EF4-FFF2-40B4-BE49-F238E27FC236}">
+                <a16:creationId xmlns:a16="http://schemas.microsoft.com/office/drawing/2014/main" id="{A0C26AE6-15D0-405C-BAE5-A99FF2E7A5FE}"/>
+              </a:ext>
+            </a:extLst>
+          </p:cNvPr>
+          <p:cNvPicPr>
+            <a:picLocks noChangeAspect="1"/>
+          </p:cNvPicPr>
+          <p:nvPr/>
+        </p:nvPicPr>
+        <p:blipFill rotWithShape="1">
+          <a:blip r:embed="rId4"/>
+          <a:srcRect l="242" r="59725"/>
+          <a:stretch/>
+        </p:blipFill>
+        <p:spPr>
+          <a:xfrm>
+            <a:off x="3863442" y="1740715"/>
+            <a:ext cx="3111500" cy="1554480"/>
+          </a:xfrm>
+          <a:prstGeom prst="rect">
+            <a:avLst/>
+          </a:prstGeom>
+        </p:spPr>
+      </p:pic>
+      <p:pic>
+        <p:nvPicPr>
+          <p:cNvPr id="9" name="Picture 8">
+            <a:extLst>
+              <a:ext uri="{FF2B5EF4-FFF2-40B4-BE49-F238E27FC236}">
+                <a16:creationId xmlns:a16="http://schemas.microsoft.com/office/drawing/2014/main" id="{96308816-AAD5-AFC8-4119-CB3F987C3FAC}"/>
+              </a:ext>
+            </a:extLst>
+          </p:cNvPr>
+          <p:cNvPicPr>
+            <a:picLocks noChangeAspect="1"/>
+          </p:cNvPicPr>
+          <p:nvPr/>
+        </p:nvPicPr>
+        <p:blipFill rotWithShape="1">
+          <a:blip r:embed="rId4"/>
+          <a:srcRect l="242" r="94307"/>
+          <a:stretch/>
+        </p:blipFill>
+        <p:spPr>
+          <a:xfrm>
+            <a:off x="3153951" y="3295195"/>
+            <a:ext cx="423640" cy="1554480"/>
           </a:xfrm>
           <a:prstGeom prst="rect">
             <a:avLst/>
@@ -5719,158 +5668,6 @@
     <p:extLst>
       <p:ext uri="{BB962C8B-B14F-4D97-AF65-F5344CB8AC3E}">
         <p14:creationId xmlns:p14="http://schemas.microsoft.com/office/powerpoint/2010/main" val="291947762"/>
-      </p:ext>
-    </p:extLst>
-  </p:cSld>
-  <p:clrMapOvr>
-    <a:masterClrMapping/>
-  </p:clrMapOvr>
-</p:sld>
-</file>
-
-<file path=ppt/slides/slide2.xml><?xml version="1.0" encoding="utf-8"?>
-<p:sld xmlns:a="http://schemas.openxmlformats.org/drawingml/2006/main" xmlns:r="http://schemas.openxmlformats.org/officeDocument/2006/relationships" xmlns:p="http://schemas.openxmlformats.org/presentationml/2006/main">
-  <p:cSld>
-    <p:spTree>
-      <p:nvGrpSpPr>
-        <p:cNvPr id="1" name="">
-          <a:extLst>
-            <a:ext uri="{FF2B5EF4-FFF2-40B4-BE49-F238E27FC236}">
-              <a16:creationId xmlns:a16="http://schemas.microsoft.com/office/drawing/2014/main" id="{311E0CC5-5392-C50F-13D2-DA9DBC6171D1}"/>
-            </a:ext>
-          </a:extLst>
-        </p:cNvPr>
-        <p:cNvGrpSpPr/>
-        <p:nvPr/>
-      </p:nvGrpSpPr>
-      <p:grpSpPr>
-        <a:xfrm>
-          <a:off x="0" y="0"/>
-          <a:ext cx="0" cy="0"/>
-          <a:chOff x="0" y="0"/>
-          <a:chExt cx="0" cy="0"/>
-        </a:xfrm>
-      </p:grpSpPr>
-      <p:pic>
-        <p:nvPicPr>
-          <p:cNvPr id="3" name="Picture 2">
-            <a:extLst>
-              <a:ext uri="{FF2B5EF4-FFF2-40B4-BE49-F238E27FC236}">
-                <a16:creationId xmlns:a16="http://schemas.microsoft.com/office/drawing/2014/main" id="{E0404346-6E5A-A294-7365-39F335D642E1}"/>
-              </a:ext>
-            </a:extLst>
-          </p:cNvPr>
-          <p:cNvPicPr>
-            <a:picLocks noChangeAspect="1"/>
-          </p:cNvPicPr>
-          <p:nvPr/>
-        </p:nvPicPr>
-        <p:blipFill>
-          <a:blip r:embed="rId3"/>
-          <a:srcRect l="48157" r="8902"/>
-          <a:stretch/>
-        </p:blipFill>
-        <p:spPr>
-          <a:xfrm>
-            <a:off x="3246120" y="2130552"/>
-            <a:ext cx="3337560" cy="1943100"/>
-          </a:xfrm>
-          <a:prstGeom prst="rect">
-            <a:avLst/>
-          </a:prstGeom>
-        </p:spPr>
-      </p:pic>
-      <p:pic>
-        <p:nvPicPr>
-          <p:cNvPr id="9" name="Picture 8">
-            <a:extLst>
-              <a:ext uri="{FF2B5EF4-FFF2-40B4-BE49-F238E27FC236}">
-                <a16:creationId xmlns:a16="http://schemas.microsoft.com/office/drawing/2014/main" id="{FFE42DB0-E2EB-2B97-E174-342BEB5EDB78}"/>
-              </a:ext>
-            </a:extLst>
-          </p:cNvPr>
-          <p:cNvPicPr>
-            <a:picLocks noChangeAspect="1"/>
-          </p:cNvPicPr>
-          <p:nvPr/>
-        </p:nvPicPr>
-        <p:blipFill>
-          <a:blip r:embed="rId4"/>
-          <a:srcRect r="51961"/>
-          <a:stretch/>
-        </p:blipFill>
-        <p:spPr>
-          <a:xfrm>
-            <a:off x="2849880" y="129540"/>
-            <a:ext cx="3733800" cy="1943100"/>
-          </a:xfrm>
-          <a:prstGeom prst="rect">
-            <a:avLst/>
-          </a:prstGeom>
-        </p:spPr>
-      </p:pic>
-      <p:pic>
-        <p:nvPicPr>
-          <p:cNvPr id="10" name="Picture 9">
-            <a:extLst>
-              <a:ext uri="{FF2B5EF4-FFF2-40B4-BE49-F238E27FC236}">
-                <a16:creationId xmlns:a16="http://schemas.microsoft.com/office/drawing/2014/main" id="{BF94DC07-22B9-1222-9FF4-03CC09B05DB1}"/>
-              </a:ext>
-            </a:extLst>
-          </p:cNvPr>
-          <p:cNvPicPr>
-            <a:picLocks noChangeAspect="1"/>
-          </p:cNvPicPr>
-          <p:nvPr/>
-        </p:nvPicPr>
-        <p:blipFill>
-          <a:blip r:embed="rId5"/>
-          <a:srcRect r="93255" b="9726"/>
-          <a:stretch/>
-        </p:blipFill>
-        <p:spPr>
-          <a:xfrm>
-            <a:off x="2849880" y="2130552"/>
-            <a:ext cx="524256" cy="1754124"/>
-          </a:xfrm>
-          <a:prstGeom prst="rect">
-            <a:avLst/>
-          </a:prstGeom>
-        </p:spPr>
-      </p:pic>
-      <p:pic>
-        <p:nvPicPr>
-          <p:cNvPr id="11" name="Picture 10">
-            <a:extLst>
-              <a:ext uri="{FF2B5EF4-FFF2-40B4-BE49-F238E27FC236}">
-                <a16:creationId xmlns:a16="http://schemas.microsoft.com/office/drawing/2014/main" id="{C3D3B37F-AE95-EB1B-5FBD-658F60952B28}"/>
-              </a:ext>
-            </a:extLst>
-          </p:cNvPr>
-          <p:cNvPicPr>
-            <a:picLocks noChangeAspect="1"/>
-          </p:cNvPicPr>
-          <p:nvPr/>
-        </p:nvPicPr>
-        <p:blipFill>
-          <a:blip r:embed="rId6"/>
-          <a:srcRect l="91020"/>
-          <a:stretch/>
-        </p:blipFill>
-        <p:spPr>
-          <a:xfrm>
-            <a:off x="6693408" y="1064514"/>
-            <a:ext cx="697992" cy="1943100"/>
-          </a:xfrm>
-          <a:prstGeom prst="rect">
-            <a:avLst/>
-          </a:prstGeom>
-        </p:spPr>
-      </p:pic>
-    </p:spTree>
-    <p:extLst>
-      <p:ext uri="{BB962C8B-B14F-4D97-AF65-F5344CB8AC3E}">
-        <p14:creationId xmlns:p14="http://schemas.microsoft.com/office/powerpoint/2010/main" val="792478691"/>
       </p:ext>
     </p:extLst>
   </p:cSld>
